--- a/PreparationOraux/Exercices_Maths/images/Figures.pptx
+++ b/PreparationOraux/Exercices_Maths/images/Figures.pptx
@@ -6,6 +6,7 @@
   </p:sldMasterIdLst>
   <p:sldIdLst>
     <p:sldId id="256" r:id="rId2"/>
+    <p:sldId id="257" r:id="rId3"/>
   </p:sldIdLst>
   <p:sldSz cx="9144000" cy="6858000" type="screen4x3"/>
   <p:notesSz cx="6858000" cy="9144000"/>
@@ -288,7 +289,7 @@
           <a:p>
             <a:fld id="{AA309A6D-C09C-4548-B29A-6CF363A7E532}" type="datetimeFigureOut">
               <a:rPr lang="fr-FR" smtClean="0"/>
-              <a:t>06/05/2016</a:t>
+              <a:t>10/05/2016</a:t>
             </a:fld>
             <a:endParaRPr lang="fr-BE"/>
           </a:p>
@@ -453,7 +454,7 @@
           <a:p>
             <a:fld id="{AA309A6D-C09C-4548-B29A-6CF363A7E532}" type="datetimeFigureOut">
               <a:rPr lang="fr-FR" smtClean="0"/>
-              <a:t>06/05/2016</a:t>
+              <a:t>10/05/2016</a:t>
             </a:fld>
             <a:endParaRPr lang="fr-BE"/>
           </a:p>
@@ -628,7 +629,7 @@
           <a:p>
             <a:fld id="{AA309A6D-C09C-4548-B29A-6CF363A7E532}" type="datetimeFigureOut">
               <a:rPr lang="fr-FR" smtClean="0"/>
-              <a:t>06/05/2016</a:t>
+              <a:t>10/05/2016</a:t>
             </a:fld>
             <a:endParaRPr lang="fr-BE"/>
           </a:p>
@@ -793,7 +794,7 @@
           <a:p>
             <a:fld id="{AA309A6D-C09C-4548-B29A-6CF363A7E532}" type="datetimeFigureOut">
               <a:rPr lang="fr-FR" smtClean="0"/>
-              <a:t>06/05/2016</a:t>
+              <a:t>10/05/2016</a:t>
             </a:fld>
             <a:endParaRPr lang="fr-BE"/>
           </a:p>
@@ -1034,7 +1035,7 @@
           <a:p>
             <a:fld id="{AA309A6D-C09C-4548-B29A-6CF363A7E532}" type="datetimeFigureOut">
               <a:rPr lang="fr-FR" smtClean="0"/>
-              <a:t>06/05/2016</a:t>
+              <a:t>10/05/2016</a:t>
             </a:fld>
             <a:endParaRPr lang="fr-BE"/>
           </a:p>
@@ -1317,7 +1318,7 @@
           <a:p>
             <a:fld id="{AA309A6D-C09C-4548-B29A-6CF363A7E532}" type="datetimeFigureOut">
               <a:rPr lang="fr-FR" smtClean="0"/>
-              <a:t>06/05/2016</a:t>
+              <a:t>10/05/2016</a:t>
             </a:fld>
             <a:endParaRPr lang="fr-BE"/>
           </a:p>
@@ -1734,7 +1735,7 @@
           <a:p>
             <a:fld id="{AA309A6D-C09C-4548-B29A-6CF363A7E532}" type="datetimeFigureOut">
               <a:rPr lang="fr-FR" smtClean="0"/>
-              <a:t>06/05/2016</a:t>
+              <a:t>10/05/2016</a:t>
             </a:fld>
             <a:endParaRPr lang="fr-BE"/>
           </a:p>
@@ -1847,7 +1848,7 @@
           <a:p>
             <a:fld id="{AA309A6D-C09C-4548-B29A-6CF363A7E532}" type="datetimeFigureOut">
               <a:rPr lang="fr-FR" smtClean="0"/>
-              <a:t>06/05/2016</a:t>
+              <a:t>10/05/2016</a:t>
             </a:fld>
             <a:endParaRPr lang="fr-BE"/>
           </a:p>
@@ -1937,7 +1938,7 @@
           <a:p>
             <a:fld id="{AA309A6D-C09C-4548-B29A-6CF363A7E532}" type="datetimeFigureOut">
               <a:rPr lang="fr-FR" smtClean="0"/>
-              <a:t>06/05/2016</a:t>
+              <a:t>10/05/2016</a:t>
             </a:fld>
             <a:endParaRPr lang="fr-BE"/>
           </a:p>
@@ -2209,7 +2210,7 @@
           <a:p>
             <a:fld id="{AA309A6D-C09C-4548-B29A-6CF363A7E532}" type="datetimeFigureOut">
               <a:rPr lang="fr-FR" smtClean="0"/>
-              <a:t>06/05/2016</a:t>
+              <a:t>10/05/2016</a:t>
             </a:fld>
             <a:endParaRPr lang="fr-BE"/>
           </a:p>
@@ -2457,7 +2458,7 @@
           <a:p>
             <a:fld id="{AA309A6D-C09C-4548-B29A-6CF363A7E532}" type="datetimeFigureOut">
               <a:rPr lang="fr-FR" smtClean="0"/>
-              <a:t>06/05/2016</a:t>
+              <a:t>10/05/2016</a:t>
             </a:fld>
             <a:endParaRPr lang="fr-BE"/>
           </a:p>
@@ -2665,7 +2666,7 @@
           <a:p>
             <a:fld id="{AA309A6D-C09C-4548-B29A-6CF363A7E532}" type="datetimeFigureOut">
               <a:rPr lang="fr-FR" smtClean="0"/>
-              <a:t>06/05/2016</a:t>
+              <a:t>10/05/2016</a:t>
             </a:fld>
             <a:endParaRPr lang="fr-BE"/>
           </a:p>
@@ -3692,6 +3693,740 @@
     <p:extLst>
       <p:ext uri="{BB962C8B-B14F-4D97-AF65-F5344CB8AC3E}">
         <p14:creationId xmlns:p14="http://schemas.microsoft.com/office/powerpoint/2010/main" val="3201222021"/>
+      </p:ext>
+    </p:extLst>
+  </p:cSld>
+  <p:clrMapOvr>
+    <a:masterClrMapping/>
+  </p:clrMapOvr>
+</p:sld>
+</file>
+
+<file path=ppt/slides/slide2.xml><?xml version="1.0" encoding="utf-8"?>
+<p:sld xmlns:a="http://schemas.openxmlformats.org/drawingml/2006/main" xmlns:r="http://schemas.openxmlformats.org/officeDocument/2006/relationships" xmlns:p="http://schemas.openxmlformats.org/presentationml/2006/main">
+  <p:cSld>
+    <p:spTree>
+      <p:nvGrpSpPr>
+        <p:cNvPr id="1" name=""/>
+        <p:cNvGrpSpPr/>
+        <p:nvPr/>
+      </p:nvGrpSpPr>
+      <p:grpSpPr>
+        <a:xfrm>
+          <a:off x="0" y="0"/>
+          <a:ext cx="0" cy="0"/>
+          <a:chOff x="0" y="0"/>
+          <a:chExt cx="0" cy="0"/>
+        </a:xfrm>
+      </p:grpSpPr>
+      <p:sp>
+        <p:nvSpPr>
+          <p:cNvPr id="4" name="Rectangle 3"/>
+          <p:cNvSpPr/>
+          <p:nvPr/>
+        </p:nvSpPr>
+        <p:spPr>
+          <a:xfrm>
+            <a:off x="4572000" y="1268760"/>
+            <a:ext cx="3600400" cy="2160240"/>
+          </a:xfrm>
+          <a:prstGeom prst="rect">
+            <a:avLst/>
+          </a:prstGeom>
+          <a:noFill/>
+          <a:ln w="28575">
+            <a:solidFill>
+              <a:schemeClr val="accent5">
+                <a:lumMod val="50000"/>
+              </a:schemeClr>
+            </a:solidFill>
+          </a:ln>
+        </p:spPr>
+        <p:style>
+          <a:lnRef idx="2">
+            <a:schemeClr val="accent1">
+              <a:shade val="50000"/>
+            </a:schemeClr>
+          </a:lnRef>
+          <a:fillRef idx="1">
+            <a:schemeClr val="accent1"/>
+          </a:fillRef>
+          <a:effectRef idx="0">
+            <a:schemeClr val="accent1"/>
+          </a:effectRef>
+          <a:fontRef idx="minor">
+            <a:schemeClr val="lt1"/>
+          </a:fontRef>
+        </p:style>
+        <p:txBody>
+          <a:bodyPr rtlCol="0" anchor="ctr"/>
+          <a:lstStyle/>
+          <a:p>
+            <a:pPr algn="ctr"/>
+            <a:endParaRPr lang="fr-FR"/>
+          </a:p>
+        </p:txBody>
+      </p:sp>
+      <p:cxnSp>
+        <p:nvCxnSpPr>
+          <p:cNvPr id="6" name="Connecteur droit 5"/>
+          <p:cNvCxnSpPr/>
+          <p:nvPr/>
+        </p:nvCxnSpPr>
+        <p:spPr>
+          <a:xfrm>
+            <a:off x="5292080" y="1700808"/>
+            <a:ext cx="2880320" cy="0"/>
+          </a:xfrm>
+          <a:prstGeom prst="line">
+            <a:avLst/>
+          </a:prstGeom>
+          <a:noFill/>
+          <a:ln w="28575">
+            <a:solidFill>
+              <a:schemeClr val="accent5">
+                <a:lumMod val="50000"/>
+              </a:schemeClr>
+            </a:solidFill>
+          </a:ln>
+        </p:spPr>
+        <p:style>
+          <a:lnRef idx="2">
+            <a:schemeClr val="accent1">
+              <a:shade val="50000"/>
+            </a:schemeClr>
+          </a:lnRef>
+          <a:fillRef idx="1">
+            <a:schemeClr val="accent1"/>
+          </a:fillRef>
+          <a:effectRef idx="0">
+            <a:schemeClr val="accent1"/>
+          </a:effectRef>
+          <a:fontRef idx="minor">
+            <a:schemeClr val="lt1"/>
+          </a:fontRef>
+        </p:style>
+      </p:cxnSp>
+      <p:cxnSp>
+        <p:nvCxnSpPr>
+          <p:cNvPr id="22" name="Connecteur droit 21"/>
+          <p:cNvCxnSpPr/>
+          <p:nvPr/>
+        </p:nvCxnSpPr>
+        <p:spPr>
+          <a:xfrm>
+            <a:off x="4572000" y="1268760"/>
+            <a:ext cx="720080" cy="432048"/>
+          </a:xfrm>
+          <a:prstGeom prst="line">
+            <a:avLst/>
+          </a:prstGeom>
+          <a:noFill/>
+          <a:ln w="28575">
+            <a:solidFill>
+              <a:schemeClr val="accent5">
+                <a:lumMod val="50000"/>
+              </a:schemeClr>
+            </a:solidFill>
+          </a:ln>
+        </p:spPr>
+        <p:style>
+          <a:lnRef idx="2">
+            <a:schemeClr val="accent1">
+              <a:shade val="50000"/>
+            </a:schemeClr>
+          </a:lnRef>
+          <a:fillRef idx="1">
+            <a:schemeClr val="accent1"/>
+          </a:fillRef>
+          <a:effectRef idx="0">
+            <a:schemeClr val="accent1"/>
+          </a:effectRef>
+          <a:fontRef idx="minor">
+            <a:schemeClr val="lt1"/>
+          </a:fontRef>
+        </p:style>
+      </p:cxnSp>
+      <p:cxnSp>
+        <p:nvCxnSpPr>
+          <p:cNvPr id="23" name="Connecteur droit 22"/>
+          <p:cNvCxnSpPr/>
+          <p:nvPr/>
+        </p:nvCxnSpPr>
+        <p:spPr>
+          <a:xfrm flipV="1">
+            <a:off x="5292080" y="1700808"/>
+            <a:ext cx="0" cy="1512168"/>
+          </a:xfrm>
+          <a:prstGeom prst="line">
+            <a:avLst/>
+          </a:prstGeom>
+          <a:noFill/>
+          <a:ln w="28575">
+            <a:solidFill>
+              <a:schemeClr val="accent5">
+                <a:lumMod val="50000"/>
+              </a:schemeClr>
+            </a:solidFill>
+          </a:ln>
+        </p:spPr>
+        <p:style>
+          <a:lnRef idx="2">
+            <a:schemeClr val="accent1">
+              <a:shade val="50000"/>
+            </a:schemeClr>
+          </a:lnRef>
+          <a:fillRef idx="1">
+            <a:schemeClr val="accent1"/>
+          </a:fillRef>
+          <a:effectRef idx="0">
+            <a:schemeClr val="accent1"/>
+          </a:effectRef>
+          <a:fontRef idx="minor">
+            <a:schemeClr val="lt1"/>
+          </a:fontRef>
+        </p:style>
+      </p:cxnSp>
+      <p:cxnSp>
+        <p:nvCxnSpPr>
+          <p:cNvPr id="24" name="Connecteur droit 23"/>
+          <p:cNvCxnSpPr/>
+          <p:nvPr/>
+        </p:nvCxnSpPr>
+        <p:spPr>
+          <a:xfrm>
+            <a:off x="5292080" y="3212976"/>
+            <a:ext cx="2880320" cy="0"/>
+          </a:xfrm>
+          <a:prstGeom prst="line">
+            <a:avLst/>
+          </a:prstGeom>
+          <a:noFill/>
+          <a:ln w="28575">
+            <a:solidFill>
+              <a:schemeClr val="accent5">
+                <a:lumMod val="50000"/>
+              </a:schemeClr>
+            </a:solidFill>
+          </a:ln>
+        </p:spPr>
+        <p:style>
+          <a:lnRef idx="2">
+            <a:schemeClr val="accent1">
+              <a:shade val="50000"/>
+            </a:schemeClr>
+          </a:lnRef>
+          <a:fillRef idx="1">
+            <a:schemeClr val="accent1"/>
+          </a:fillRef>
+          <a:effectRef idx="0">
+            <a:schemeClr val="accent1"/>
+          </a:effectRef>
+          <a:fontRef idx="minor">
+            <a:schemeClr val="lt1"/>
+          </a:fontRef>
+        </p:style>
+      </p:cxnSp>
+      <p:cxnSp>
+        <p:nvCxnSpPr>
+          <p:cNvPr id="28" name="Connecteur droit 27"/>
+          <p:cNvCxnSpPr/>
+          <p:nvPr/>
+        </p:nvCxnSpPr>
+        <p:spPr>
+          <a:xfrm flipV="1">
+            <a:off x="6732240" y="1700808"/>
+            <a:ext cx="0" cy="1512168"/>
+          </a:xfrm>
+          <a:prstGeom prst="line">
+            <a:avLst/>
+          </a:prstGeom>
+          <a:noFill/>
+          <a:ln w="28575">
+            <a:solidFill>
+              <a:schemeClr val="accent5">
+                <a:lumMod val="50000"/>
+              </a:schemeClr>
+            </a:solidFill>
+          </a:ln>
+        </p:spPr>
+        <p:style>
+          <a:lnRef idx="2">
+            <a:schemeClr val="accent1">
+              <a:shade val="50000"/>
+            </a:schemeClr>
+          </a:lnRef>
+          <a:fillRef idx="1">
+            <a:schemeClr val="accent1"/>
+          </a:fillRef>
+          <a:effectRef idx="0">
+            <a:schemeClr val="accent1"/>
+          </a:effectRef>
+          <a:fontRef idx="minor">
+            <a:schemeClr val="lt1"/>
+          </a:fontRef>
+        </p:style>
+      </p:cxnSp>
+      <p:sp>
+        <p:nvSpPr>
+          <p:cNvPr id="31" name="Rectangle 30"/>
+          <p:cNvSpPr/>
+          <p:nvPr/>
+        </p:nvSpPr>
+        <p:spPr>
+          <a:xfrm rot="2700000">
+            <a:off x="7209782" y="2212881"/>
+            <a:ext cx="540000" cy="540000"/>
+          </a:xfrm>
+          <a:prstGeom prst="rect">
+            <a:avLst/>
+          </a:prstGeom>
+          <a:noFill/>
+          <a:ln w="28575">
+            <a:solidFill>
+              <a:schemeClr val="accent5">
+                <a:lumMod val="50000"/>
+              </a:schemeClr>
+            </a:solidFill>
+          </a:ln>
+        </p:spPr>
+        <p:style>
+          <a:lnRef idx="2">
+            <a:schemeClr val="accent1">
+              <a:shade val="50000"/>
+            </a:schemeClr>
+          </a:lnRef>
+          <a:fillRef idx="1">
+            <a:schemeClr val="accent1"/>
+          </a:fillRef>
+          <a:effectRef idx="0">
+            <a:schemeClr val="accent1"/>
+          </a:effectRef>
+          <a:fontRef idx="minor">
+            <a:schemeClr val="lt1"/>
+          </a:fontRef>
+        </p:style>
+        <p:txBody>
+          <a:bodyPr rtlCol="0" anchor="ctr"/>
+          <a:lstStyle/>
+          <a:p>
+            <a:pPr algn="ctr"/>
+            <a:endParaRPr lang="fr-FR"/>
+          </a:p>
+        </p:txBody>
+      </p:sp>
+      <p:cxnSp>
+        <p:nvCxnSpPr>
+          <p:cNvPr id="32" name="Connecteur droit 31"/>
+          <p:cNvCxnSpPr/>
+          <p:nvPr/>
+        </p:nvCxnSpPr>
+        <p:spPr>
+          <a:xfrm>
+            <a:off x="7479782" y="1700808"/>
+            <a:ext cx="0" cy="432048"/>
+          </a:xfrm>
+          <a:prstGeom prst="line">
+            <a:avLst/>
+          </a:prstGeom>
+          <a:noFill/>
+          <a:ln w="28575">
+            <a:solidFill>
+              <a:schemeClr val="accent5">
+                <a:lumMod val="50000"/>
+              </a:schemeClr>
+            </a:solidFill>
+          </a:ln>
+        </p:spPr>
+        <p:style>
+          <a:lnRef idx="2">
+            <a:schemeClr val="accent1">
+              <a:shade val="50000"/>
+            </a:schemeClr>
+          </a:lnRef>
+          <a:fillRef idx="1">
+            <a:schemeClr val="accent1"/>
+          </a:fillRef>
+          <a:effectRef idx="0">
+            <a:schemeClr val="accent1"/>
+          </a:effectRef>
+          <a:fontRef idx="minor">
+            <a:schemeClr val="lt1"/>
+          </a:fontRef>
+        </p:style>
+      </p:cxnSp>
+      <p:cxnSp>
+        <p:nvCxnSpPr>
+          <p:cNvPr id="35" name="Connecteur droit 34"/>
+          <p:cNvCxnSpPr/>
+          <p:nvPr/>
+        </p:nvCxnSpPr>
+        <p:spPr>
+          <a:xfrm flipV="1">
+            <a:off x="7479782" y="2862359"/>
+            <a:ext cx="0" cy="350618"/>
+          </a:xfrm>
+          <a:prstGeom prst="line">
+            <a:avLst/>
+          </a:prstGeom>
+          <a:noFill/>
+          <a:ln w="28575">
+            <a:solidFill>
+              <a:schemeClr val="accent5">
+                <a:lumMod val="50000"/>
+              </a:schemeClr>
+            </a:solidFill>
+          </a:ln>
+        </p:spPr>
+        <p:style>
+          <a:lnRef idx="2">
+            <a:schemeClr val="accent1">
+              <a:shade val="50000"/>
+            </a:schemeClr>
+          </a:lnRef>
+          <a:fillRef idx="1">
+            <a:schemeClr val="accent1"/>
+          </a:fillRef>
+          <a:effectRef idx="0">
+            <a:schemeClr val="accent1"/>
+          </a:effectRef>
+          <a:fontRef idx="minor">
+            <a:schemeClr val="lt1"/>
+          </a:fontRef>
+        </p:style>
+      </p:cxnSp>
+      <p:sp>
+        <p:nvSpPr>
+          <p:cNvPr id="38" name="Rectangle 37"/>
+          <p:cNvSpPr/>
+          <p:nvPr/>
+        </p:nvSpPr>
+        <p:spPr>
+          <a:xfrm>
+            <a:off x="5638147" y="2103403"/>
+            <a:ext cx="1094093" cy="758956"/>
+          </a:xfrm>
+          <a:prstGeom prst="rect">
+            <a:avLst/>
+          </a:prstGeom>
+          <a:noFill/>
+          <a:ln w="28575">
+            <a:solidFill>
+              <a:schemeClr val="accent5">
+                <a:lumMod val="50000"/>
+              </a:schemeClr>
+            </a:solidFill>
+          </a:ln>
+        </p:spPr>
+        <p:style>
+          <a:lnRef idx="2">
+            <a:schemeClr val="accent1">
+              <a:shade val="50000"/>
+            </a:schemeClr>
+          </a:lnRef>
+          <a:fillRef idx="1">
+            <a:schemeClr val="accent1"/>
+          </a:fillRef>
+          <a:effectRef idx="0">
+            <a:schemeClr val="accent1"/>
+          </a:effectRef>
+          <a:fontRef idx="minor">
+            <a:schemeClr val="lt1"/>
+          </a:fontRef>
+        </p:style>
+        <p:txBody>
+          <a:bodyPr rtlCol="0" anchor="ctr"/>
+          <a:lstStyle/>
+          <a:p>
+            <a:pPr algn="ctr"/>
+            <a:endParaRPr lang="fr-FR"/>
+          </a:p>
+        </p:txBody>
+      </p:sp>
+      <p:cxnSp>
+        <p:nvCxnSpPr>
+          <p:cNvPr id="40" name="Connecteur droit 39"/>
+          <p:cNvCxnSpPr/>
+          <p:nvPr/>
+        </p:nvCxnSpPr>
+        <p:spPr>
+          <a:xfrm>
+            <a:off x="6300192" y="2099312"/>
+            <a:ext cx="0" cy="767138"/>
+          </a:xfrm>
+          <a:prstGeom prst="line">
+            <a:avLst/>
+          </a:prstGeom>
+          <a:noFill/>
+          <a:ln w="28575">
+            <a:solidFill>
+              <a:schemeClr val="accent5">
+                <a:lumMod val="50000"/>
+              </a:schemeClr>
+            </a:solidFill>
+          </a:ln>
+        </p:spPr>
+        <p:style>
+          <a:lnRef idx="2">
+            <a:schemeClr val="accent1">
+              <a:shade val="50000"/>
+            </a:schemeClr>
+          </a:lnRef>
+          <a:fillRef idx="1">
+            <a:schemeClr val="accent1"/>
+          </a:fillRef>
+          <a:effectRef idx="0">
+            <a:schemeClr val="accent1"/>
+          </a:effectRef>
+          <a:fontRef idx="minor">
+            <a:schemeClr val="lt1"/>
+          </a:fontRef>
+        </p:style>
+      </p:cxnSp>
+      <p:sp>
+        <p:nvSpPr>
+          <p:cNvPr id="42" name="ZoneTexte 41"/>
+          <p:cNvSpPr txBox="1"/>
+          <p:nvPr/>
+        </p:nvSpPr>
+        <p:spPr>
+          <a:xfrm>
+            <a:off x="6430554" y="1294715"/>
+            <a:ext cx="301686" cy="369332"/>
+          </a:xfrm>
+          <a:prstGeom prst="rect">
+            <a:avLst/>
+          </a:prstGeom>
+          <a:noFill/>
+        </p:spPr>
+        <p:txBody>
+          <a:bodyPr wrap="none" rtlCol="0">
+            <a:spAutoFit/>
+          </a:bodyPr>
+          <a:lstStyle/>
+          <a:p>
+            <a:r>
+              <a:rPr lang="fr-FR" dirty="0" smtClean="0"/>
+              <a:t>0</a:t>
+            </a:r>
+            <a:endParaRPr lang="fr-FR" dirty="0"/>
+          </a:p>
+        </p:txBody>
+      </p:sp>
+      <p:sp>
+        <p:nvSpPr>
+          <p:cNvPr id="43" name="ZoneTexte 42"/>
+          <p:cNvSpPr txBox="1"/>
+          <p:nvPr/>
+        </p:nvSpPr>
+        <p:spPr>
+          <a:xfrm>
+            <a:off x="4781197" y="2298215"/>
+            <a:ext cx="301686" cy="369332"/>
+          </a:xfrm>
+          <a:prstGeom prst="rect">
+            <a:avLst/>
+          </a:prstGeom>
+          <a:noFill/>
+        </p:spPr>
+        <p:txBody>
+          <a:bodyPr wrap="none" rtlCol="0">
+            <a:spAutoFit/>
+          </a:bodyPr>
+          <a:lstStyle/>
+          <a:p>
+            <a:r>
+              <a:rPr lang="fr-FR" dirty="0" smtClean="0"/>
+              <a:t>1</a:t>
+            </a:r>
+            <a:endParaRPr lang="fr-FR" dirty="0"/>
+          </a:p>
+        </p:txBody>
+      </p:sp>
+      <p:sp>
+        <p:nvSpPr>
+          <p:cNvPr id="44" name="ZoneTexte 43"/>
+          <p:cNvSpPr txBox="1"/>
+          <p:nvPr/>
+        </p:nvSpPr>
+        <p:spPr>
+          <a:xfrm>
+            <a:off x="5336461" y="2298215"/>
+            <a:ext cx="301686" cy="369332"/>
+          </a:xfrm>
+          <a:prstGeom prst="rect">
+            <a:avLst/>
+          </a:prstGeom>
+          <a:noFill/>
+        </p:spPr>
+        <p:txBody>
+          <a:bodyPr wrap="none" rtlCol="0">
+            <a:spAutoFit/>
+          </a:bodyPr>
+          <a:lstStyle/>
+          <a:p>
+            <a:r>
+              <a:rPr lang="fr-FR" smtClean="0"/>
+              <a:t>2</a:t>
+            </a:r>
+            <a:endParaRPr lang="fr-FR" dirty="0"/>
+          </a:p>
+        </p:txBody>
+      </p:sp>
+      <p:sp>
+        <p:nvSpPr>
+          <p:cNvPr id="45" name="ZoneTexte 44"/>
+          <p:cNvSpPr txBox="1"/>
+          <p:nvPr/>
+        </p:nvSpPr>
+        <p:spPr>
+          <a:xfrm>
+            <a:off x="5847703" y="2298215"/>
+            <a:ext cx="301686" cy="369332"/>
+          </a:xfrm>
+          <a:prstGeom prst="rect">
+            <a:avLst/>
+          </a:prstGeom>
+          <a:noFill/>
+        </p:spPr>
+        <p:txBody>
+          <a:bodyPr wrap="none" rtlCol="0">
+            <a:spAutoFit/>
+          </a:bodyPr>
+          <a:lstStyle/>
+          <a:p>
+            <a:r>
+              <a:rPr lang="fr-FR" smtClean="0"/>
+              <a:t>3</a:t>
+            </a:r>
+            <a:endParaRPr lang="fr-FR" dirty="0"/>
+          </a:p>
+        </p:txBody>
+      </p:sp>
+      <p:sp>
+        <p:nvSpPr>
+          <p:cNvPr id="46" name="ZoneTexte 45"/>
+          <p:cNvSpPr txBox="1"/>
+          <p:nvPr/>
+        </p:nvSpPr>
+        <p:spPr>
+          <a:xfrm>
+            <a:off x="6372200" y="2298215"/>
+            <a:ext cx="301686" cy="369332"/>
+          </a:xfrm>
+          <a:prstGeom prst="rect">
+            <a:avLst/>
+          </a:prstGeom>
+          <a:noFill/>
+        </p:spPr>
+        <p:txBody>
+          <a:bodyPr wrap="none" rtlCol="0">
+            <a:spAutoFit/>
+          </a:bodyPr>
+          <a:lstStyle/>
+          <a:p>
+            <a:r>
+              <a:rPr lang="fr-FR"/>
+              <a:t>4</a:t>
+            </a:r>
+            <a:endParaRPr lang="fr-FR" dirty="0"/>
+          </a:p>
+        </p:txBody>
+      </p:sp>
+      <p:sp>
+        <p:nvSpPr>
+          <p:cNvPr id="47" name="ZoneTexte 46"/>
+          <p:cNvSpPr txBox="1"/>
+          <p:nvPr/>
+        </p:nvSpPr>
+        <p:spPr>
+          <a:xfrm>
+            <a:off x="7328939" y="2298215"/>
+            <a:ext cx="301686" cy="369332"/>
+          </a:xfrm>
+          <a:prstGeom prst="rect">
+            <a:avLst/>
+          </a:prstGeom>
+          <a:noFill/>
+        </p:spPr>
+        <p:txBody>
+          <a:bodyPr wrap="none" rtlCol="0">
+            <a:spAutoFit/>
+          </a:bodyPr>
+          <a:lstStyle/>
+          <a:p>
+            <a:r>
+              <a:rPr lang="fr-FR" dirty="0" smtClean="0"/>
+              <a:t>5</a:t>
+            </a:r>
+            <a:endParaRPr lang="fr-FR" dirty="0"/>
+          </a:p>
+        </p:txBody>
+      </p:sp>
+      <p:sp>
+        <p:nvSpPr>
+          <p:cNvPr id="48" name="ZoneTexte 47"/>
+          <p:cNvSpPr txBox="1"/>
+          <p:nvPr/>
+        </p:nvSpPr>
+        <p:spPr>
+          <a:xfrm>
+            <a:off x="6947101" y="1884566"/>
+            <a:ext cx="301686" cy="369332"/>
+          </a:xfrm>
+          <a:prstGeom prst="rect">
+            <a:avLst/>
+          </a:prstGeom>
+          <a:noFill/>
+        </p:spPr>
+        <p:txBody>
+          <a:bodyPr wrap="none" rtlCol="0">
+            <a:spAutoFit/>
+          </a:bodyPr>
+          <a:lstStyle/>
+          <a:p>
+            <a:r>
+              <a:rPr lang="fr-FR" smtClean="0"/>
+              <a:t>6</a:t>
+            </a:r>
+            <a:endParaRPr lang="fr-FR" dirty="0"/>
+          </a:p>
+        </p:txBody>
+      </p:sp>
+      <p:sp>
+        <p:nvSpPr>
+          <p:cNvPr id="49" name="ZoneTexte 48"/>
+          <p:cNvSpPr txBox="1"/>
+          <p:nvPr/>
+        </p:nvSpPr>
+        <p:spPr>
+          <a:xfrm>
+            <a:off x="7710777" y="1884566"/>
+            <a:ext cx="301686" cy="369332"/>
+          </a:xfrm>
+          <a:prstGeom prst="rect">
+            <a:avLst/>
+          </a:prstGeom>
+          <a:noFill/>
+        </p:spPr>
+        <p:txBody>
+          <a:bodyPr wrap="none" rtlCol="0">
+            <a:spAutoFit/>
+          </a:bodyPr>
+          <a:lstStyle/>
+          <a:p>
+            <a:r>
+              <a:rPr lang="fr-FR" dirty="0" smtClean="0"/>
+              <a:t>7</a:t>
+            </a:r>
+            <a:endParaRPr lang="fr-FR" dirty="0"/>
+          </a:p>
+        </p:txBody>
+      </p:sp>
+    </p:spTree>
+    <p:extLst>
+      <p:ext uri="{BB962C8B-B14F-4D97-AF65-F5344CB8AC3E}">
+        <p14:creationId xmlns:p14="http://schemas.microsoft.com/office/powerpoint/2010/main" val="572928992"/>
       </p:ext>
     </p:extLst>
   </p:cSld>
